--- a/Week-5-Presentation/Week-5-Presentation.pptx
+++ b/Week-5-Presentation/Week-5-Presentation.pptx
@@ -106,6 +106,11 @@
       </a:defRPr>
     </a:lvl9pPr>
   </p:defaultTextStyle>
+  <p:extLst>
+    <p:ext uri="{EFAFB233-063F-42B5-8137-9DF3F51BA10A}">
+      <p15:sldGuideLst xmlns:p15="http://schemas.microsoft.com/office/powerpoint/2012/main"/>
+    </p:ext>
+  </p:extLst>
 </p:presentation>
 </file>
 
@@ -258,7 +263,7 @@
           <a:p>
             <a:fld id="{9179362B-4D16-4DA2-A6B5-024CD0EC4185}" type="datetimeFigureOut">
               <a:rPr lang="en-IN" smtClean="0"/>
-              <a:t>03-03-2023</a:t>
+              <a:t>06-03-2023</a:t>
             </a:fld>
             <a:endParaRPr lang="en-IN"/>
           </a:p>
@@ -458,7 +463,7 @@
           <a:p>
             <a:fld id="{9179362B-4D16-4DA2-A6B5-024CD0EC4185}" type="datetimeFigureOut">
               <a:rPr lang="en-IN" smtClean="0"/>
-              <a:t>03-03-2023</a:t>
+              <a:t>06-03-2023</a:t>
             </a:fld>
             <a:endParaRPr lang="en-IN"/>
           </a:p>
@@ -668,7 +673,7 @@
           <a:p>
             <a:fld id="{9179362B-4D16-4DA2-A6B5-024CD0EC4185}" type="datetimeFigureOut">
               <a:rPr lang="en-IN" smtClean="0"/>
-              <a:t>03-03-2023</a:t>
+              <a:t>06-03-2023</a:t>
             </a:fld>
             <a:endParaRPr lang="en-IN"/>
           </a:p>
@@ -868,7 +873,7 @@
           <a:p>
             <a:fld id="{9179362B-4D16-4DA2-A6B5-024CD0EC4185}" type="datetimeFigureOut">
               <a:rPr lang="en-IN" smtClean="0"/>
-              <a:t>03-03-2023</a:t>
+              <a:t>06-03-2023</a:t>
             </a:fld>
             <a:endParaRPr lang="en-IN"/>
           </a:p>
@@ -1144,7 +1149,7 @@
           <a:p>
             <a:fld id="{9179362B-4D16-4DA2-A6B5-024CD0EC4185}" type="datetimeFigureOut">
               <a:rPr lang="en-IN" smtClean="0"/>
-              <a:t>03-03-2023</a:t>
+              <a:t>06-03-2023</a:t>
             </a:fld>
             <a:endParaRPr lang="en-IN"/>
           </a:p>
@@ -1412,7 +1417,7 @@
           <a:p>
             <a:fld id="{9179362B-4D16-4DA2-A6B5-024CD0EC4185}" type="datetimeFigureOut">
               <a:rPr lang="en-IN" smtClean="0"/>
-              <a:t>03-03-2023</a:t>
+              <a:t>06-03-2023</a:t>
             </a:fld>
             <a:endParaRPr lang="en-IN"/>
           </a:p>
@@ -1827,7 +1832,7 @@
           <a:p>
             <a:fld id="{9179362B-4D16-4DA2-A6B5-024CD0EC4185}" type="datetimeFigureOut">
               <a:rPr lang="en-IN" smtClean="0"/>
-              <a:t>03-03-2023</a:t>
+              <a:t>06-03-2023</a:t>
             </a:fld>
             <a:endParaRPr lang="en-IN"/>
           </a:p>
@@ -1969,7 +1974,7 @@
           <a:p>
             <a:fld id="{9179362B-4D16-4DA2-A6B5-024CD0EC4185}" type="datetimeFigureOut">
               <a:rPr lang="en-IN" smtClean="0"/>
-              <a:t>03-03-2023</a:t>
+              <a:t>06-03-2023</a:t>
             </a:fld>
             <a:endParaRPr lang="en-IN"/>
           </a:p>
@@ -2082,7 +2087,7 @@
           <a:p>
             <a:fld id="{9179362B-4D16-4DA2-A6B5-024CD0EC4185}" type="datetimeFigureOut">
               <a:rPr lang="en-IN" smtClean="0"/>
-              <a:t>03-03-2023</a:t>
+              <a:t>06-03-2023</a:t>
             </a:fld>
             <a:endParaRPr lang="en-IN"/>
           </a:p>
@@ -2395,7 +2400,7 @@
           <a:p>
             <a:fld id="{9179362B-4D16-4DA2-A6B5-024CD0EC4185}" type="datetimeFigureOut">
               <a:rPr lang="en-IN" smtClean="0"/>
-              <a:t>03-03-2023</a:t>
+              <a:t>06-03-2023</a:t>
             </a:fld>
             <a:endParaRPr lang="en-IN"/>
           </a:p>
@@ -2684,7 +2689,7 @@
           <a:p>
             <a:fld id="{9179362B-4D16-4DA2-A6B5-024CD0EC4185}" type="datetimeFigureOut">
               <a:rPr lang="en-IN" smtClean="0"/>
-              <a:t>03-03-2023</a:t>
+              <a:t>06-03-2023</a:t>
             </a:fld>
             <a:endParaRPr lang="en-IN"/>
           </a:p>
@@ -2927,7 +2932,7 @@
           <a:p>
             <a:fld id="{9179362B-4D16-4DA2-A6B5-024CD0EC4185}" type="datetimeFigureOut">
               <a:rPr lang="en-IN" smtClean="0"/>
-              <a:t>03-03-2023</a:t>
+              <a:t>06-03-2023</a:t>
             </a:fld>
             <a:endParaRPr lang="en-IN"/>
           </a:p>
@@ -3362,7 +3367,9 @@
         </p:nvSpPr>
         <p:spPr/>
         <p:txBody>
-          <a:bodyPr/>
+          <a:bodyPr>
+            <a:normAutofit/>
+          </a:bodyPr>
           <a:lstStyle/>
           <a:p>
             <a:r>
@@ -3375,6 +3382,50 @@
               </a:rPr>
               <a:t>LASSO REGRESSION</a:t>
             </a:r>
+            <a:br>
+              <a:rPr lang="en-IN" b="1" dirty="0">
+                <a:solidFill>
+                  <a:schemeClr val="accent5">
+                    <a:lumMod val="50000"/>
+                  </a:schemeClr>
+                </a:solidFill>
+              </a:rPr>
+            </a:br>
+            <a:r>
+              <a:rPr lang="en-IN" sz="3200" b="1" dirty="0">
+                <a:solidFill>
+                  <a:srgbClr val="002060"/>
+                </a:solidFill>
+                <a:latin typeface="+mn-lt"/>
+              </a:rPr>
+              <a:t>WEEK-5</a:t>
+            </a:r>
+            <a:br>
+              <a:rPr lang="en-IN" b="1" dirty="0">
+                <a:solidFill>
+                  <a:schemeClr val="accent5">
+                    <a:lumMod val="50000"/>
+                  </a:schemeClr>
+                </a:solidFill>
+              </a:rPr>
+            </a:br>
+            <a:r>
+              <a:rPr lang="en-IN" sz="4000" b="1" dirty="0">
+                <a:solidFill>
+                  <a:schemeClr val="accent5">
+                    <a:lumMod val="50000"/>
+                  </a:schemeClr>
+                </a:solidFill>
+              </a:rPr>
+              <a:t>PREPROCESSING AND VISUALISATION</a:t>
+            </a:r>
+            <a:endParaRPr lang="en-IN" b="1" dirty="0">
+              <a:solidFill>
+                <a:schemeClr val="accent5">
+                  <a:lumMod val="50000"/>
+                </a:schemeClr>
+              </a:solidFill>
+            </a:endParaRPr>
           </a:p>
         </p:txBody>
       </p:sp>
